--- a/module_4/presentation.pptx
+++ b/module_4/presentation.pptx
@@ -106,6 +106,11 @@
       </a:defRPr>
     </a:lvl9pPr>
   </p:defaultTextStyle>
+  <p:extLst>
+    <p:ext uri="{EFAFB233-063F-42B5-8137-9DF3F51BA10A}">
+      <p15:sldGuideLst xmlns:p15="http://schemas.microsoft.com/office/powerpoint/2012/main"/>
+    </p:ext>
+  </p:extLst>
 </p:presentation>
 </file>
 
@@ -20950,9 +20955,141 @@
               <a:rPr lang="ru-RU" dirty="0"/>
               <a:t>4.</a:t>
             </a:r>
+            <a:r>
+              <a:rPr lang="en-US" dirty="0"/>
+              <a:t> </a:t>
+            </a:r>
+            <a:r>
+              <a:rPr lang="ru-RU" dirty="0"/>
+              <a:t>Расход топлива на 100 км на 1 место (источник - </a:t>
+            </a:r>
+            <a:r>
+              <a:rPr lang="en-US" dirty="0">
+                <a:hlinkClick r:id="rId2"/>
+              </a:rPr>
+              <a:t>https://en.wikipedia.org/wiki/Fuel_economy_in_aircraft</a:t>
+            </a:r>
+            <a:r>
+              <a:rPr lang="ru-RU" dirty="0"/>
+              <a:t>):</a:t>
+            </a:r>
+          </a:p>
+          <a:p>
+            <a:pPr marL="640080"/>
+            <a:r>
+              <a:rPr lang="en-US" dirty="0"/>
+              <a:t>Boeing 737-300: 3.46 </a:t>
+            </a:r>
+            <a:r>
+              <a:rPr lang="ru-RU" dirty="0"/>
+              <a:t>л</a:t>
+            </a:r>
+            <a:endParaRPr lang="en-US" dirty="0"/>
+          </a:p>
+          <a:p>
+            <a:pPr marL="640080"/>
+            <a:r>
+              <a:rPr lang="en-US" dirty="0"/>
+              <a:t>Sukhoi Superjet-100: 3.59 </a:t>
+            </a:r>
+            <a:r>
+              <a:rPr lang="ru-RU" dirty="0"/>
+              <a:t>л</a:t>
+            </a:r>
+          </a:p>
+          <a:p>
+            <a:r>
+              <a:rPr lang="ru-RU" dirty="0"/>
+              <a:t>5. Затраты на рейс в зависимости от типа самолета (при условии, что затраты на топливо составляют </a:t>
+            </a:r>
+            <a:r>
+              <a:rPr lang="en-US" dirty="0">
+                <a:hlinkClick r:id="rId3"/>
+              </a:rPr>
+              <a:t>23.7</a:t>
+            </a:r>
+            <a:r>
+              <a:rPr lang="ru-RU" dirty="0">
+                <a:hlinkClick r:id="rId3"/>
+              </a:rPr>
+              <a:t>%</a:t>
+            </a:r>
+            <a:r>
+              <a:rPr lang="en-US" dirty="0"/>
+              <a:t>, 1 </a:t>
+            </a:r>
+            <a:r>
+              <a:rPr lang="ru-RU" dirty="0"/>
+              <a:t>галлон</a:t>
+            </a:r>
+            <a:r>
+              <a:rPr lang="en-US" dirty="0"/>
+              <a:t> (4.54609</a:t>
+            </a:r>
+            <a:r>
+              <a:rPr lang="ru-RU" dirty="0"/>
+              <a:t> литра</a:t>
+            </a:r>
+            <a:r>
+              <a:rPr lang="en-US" dirty="0"/>
+              <a:t>)</a:t>
+            </a:r>
+            <a:r>
+              <a:rPr lang="ru-RU" dirty="0"/>
+              <a:t> стоил </a:t>
+            </a:r>
+            <a:r>
+              <a:rPr lang="en-US" dirty="0">
+                <a:hlinkClick r:id="rId4"/>
+              </a:rPr>
+              <a:t>$</a:t>
+            </a:r>
+            <a:r>
+              <a:rPr lang="ru-RU" dirty="0">
+                <a:hlinkClick r:id="rId4"/>
+              </a:rPr>
+              <a:t>1.55</a:t>
+            </a:r>
+            <a:r>
+              <a:rPr lang="ru-RU" dirty="0"/>
+              <a:t> в 2017 г.):</a:t>
+            </a:r>
+          </a:p>
+          <a:p>
+            <a:endParaRPr lang="ru-RU" dirty="0"/>
           </a:p>
         </p:txBody>
       </p:sp>
+      <p:pic>
+        <p:nvPicPr>
+          <p:cNvPr id="7" name="Picture 6">
+            <a:extLst>
+              <a:ext uri="{FF2B5EF4-FFF2-40B4-BE49-F238E27FC236}">
+                <a16:creationId xmlns:a16="http://schemas.microsoft.com/office/drawing/2014/main" id="{1AAE1EA5-4AE3-47EE-A8AF-2DE682CEB0A5}"/>
+              </a:ext>
+            </a:extLst>
+          </p:cNvPr>
+          <p:cNvPicPr>
+            <a:picLocks noChangeAspect="1"/>
+          </p:cNvPicPr>
+          <p:nvPr/>
+        </p:nvPicPr>
+        <p:blipFill>
+          <a:blip r:embed="rId5"/>
+          <a:stretch>
+            <a:fillRect/>
+          </a:stretch>
+        </p:blipFill>
+        <p:spPr>
+          <a:xfrm>
+            <a:off x="1691080" y="4834509"/>
+            <a:ext cx="4791075" cy="1438275"/>
+          </a:xfrm>
+          <a:prstGeom prst="rect">
+            <a:avLst/>
+          </a:prstGeom>
+        </p:spPr>
+      </p:pic>
     </p:spTree>
     <p:extLst>
       <p:ext uri="{BB962C8B-B14F-4D97-AF65-F5344CB8AC3E}">

--- a/module_4/presentation.pptx
+++ b/module_4/presentation.pptx
@@ -8,6 +8,7 @@
     <p:sldId id="256" r:id="rId2"/>
     <p:sldId id="257" r:id="rId3"/>
     <p:sldId id="258" r:id="rId4"/>
+    <p:sldId id="259" r:id="rId5"/>
   </p:sldIdLst>
   <p:sldSz cx="12192000" cy="6858000"/>
   <p:notesSz cx="6858000" cy="9144000"/>
@@ -21103,6 +21104,122 @@
 </p:sld>
 </file>
 
+<file path=ppt/slides/slide4.xml><?xml version="1.0" encoding="utf-8"?>
+<p:sld xmlns:a="http://schemas.openxmlformats.org/drawingml/2006/main" xmlns:r="http://schemas.openxmlformats.org/officeDocument/2006/relationships" xmlns:p="http://schemas.openxmlformats.org/presentationml/2006/main">
+  <p:cSld>
+    <p:spTree>
+      <p:nvGrpSpPr>
+        <p:cNvPr id="1" name=""/>
+        <p:cNvGrpSpPr/>
+        <p:nvPr/>
+      </p:nvGrpSpPr>
+      <p:grpSpPr>
+        <a:xfrm>
+          <a:off x="0" y="0"/>
+          <a:ext cx="0" cy="0"/>
+          <a:chOff x="0" y="0"/>
+          <a:chExt cx="0" cy="0"/>
+        </a:xfrm>
+      </p:grpSpPr>
+      <p:sp>
+        <p:nvSpPr>
+          <p:cNvPr id="2" name="Title 1">
+            <a:extLst>
+              <a:ext uri="{FF2B5EF4-FFF2-40B4-BE49-F238E27FC236}">
+                <a16:creationId xmlns:a16="http://schemas.microsoft.com/office/drawing/2014/main" id="{6876B0D3-6D71-475F-ADCA-623B03FD9596}"/>
+              </a:ext>
+            </a:extLst>
+          </p:cNvPr>
+          <p:cNvSpPr>
+            <a:spLocks noGrp="1"/>
+          </p:cNvSpPr>
+          <p:nvPr>
+            <p:ph type="title"/>
+          </p:nvPr>
+        </p:nvSpPr>
+        <p:spPr/>
+        <p:txBody>
+          <a:bodyPr/>
+          <a:lstStyle/>
+          <a:p>
+            <a:r>
+              <a:rPr lang="ru-RU" dirty="0"/>
+              <a:t>Методика Расчета себестоимости рейса</a:t>
+            </a:r>
+            <a:endParaRPr lang="en-US" dirty="0"/>
+          </a:p>
+        </p:txBody>
+      </p:sp>
+      <p:sp>
+        <p:nvSpPr>
+          <p:cNvPr id="3" name="Content Placeholder 2">
+            <a:extLst>
+              <a:ext uri="{FF2B5EF4-FFF2-40B4-BE49-F238E27FC236}">
+                <a16:creationId xmlns:a16="http://schemas.microsoft.com/office/drawing/2014/main" id="{B1088D97-F35F-416B-ABB8-69DD24FB6083}"/>
+              </a:ext>
+            </a:extLst>
+          </p:cNvPr>
+          <p:cNvSpPr>
+            <a:spLocks noGrp="1"/>
+          </p:cNvSpPr>
+          <p:nvPr>
+            <p:ph idx="1"/>
+          </p:nvPr>
+        </p:nvSpPr>
+        <p:spPr/>
+        <p:txBody>
+          <a:bodyPr>
+            <a:normAutofit/>
+          </a:bodyPr>
+          <a:lstStyle/>
+          <a:p>
+            <a:r>
+              <a:rPr lang="en-US" dirty="0"/>
+              <a:t>6. </a:t>
+            </a:r>
+            <a:r>
+              <a:rPr lang="ru-RU" dirty="0"/>
+              <a:t>Расчитаем прибыль для каждого рейса</a:t>
+            </a:r>
+            <a:r>
+              <a:rPr lang="en-US" dirty="0"/>
+              <a:t> (</a:t>
+            </a:r>
+            <a:r>
+              <a:rPr lang="ru-RU" dirty="0"/>
+              <a:t>средний курс в 2017 был </a:t>
+            </a:r>
+            <a:r>
+              <a:rPr lang="ru-RU" dirty="0">
+                <a:hlinkClick r:id="rId2"/>
+              </a:rPr>
+              <a:t>58.14</a:t>
+            </a:r>
+            <a:r>
+              <a:rPr lang="ru-RU" dirty="0"/>
+              <a:t> руб</a:t>
+            </a:r>
+            <a:r>
+              <a:rPr lang="en-US" dirty="0"/>
+              <a:t>/$) - </a:t>
+            </a:r>
+            <a:endParaRPr lang="ru-RU" dirty="0"/>
+          </a:p>
+        </p:txBody>
+      </p:sp>
+    </p:spTree>
+    <p:extLst>
+      <p:ext uri="{BB962C8B-B14F-4D97-AF65-F5344CB8AC3E}">
+        <p14:creationId xmlns:p14="http://schemas.microsoft.com/office/powerpoint/2010/main" val="1091117781"/>
+      </p:ext>
+    </p:extLst>
+  </p:cSld>
+  <p:clrMapOvr>
+    <a:masterClrMapping/>
+  </p:clrMapOvr>
+</p:sld>
+</file>
+
 <file path=ppt/theme/theme1.xml><?xml version="1.0" encoding="utf-8"?>
 <a:theme xmlns:a="http://schemas.openxmlformats.org/drawingml/2006/main" name="Integral">
   <a:themeElements>

--- a/module_4/presentation.pptx
+++ b/module_4/presentation.pptx
@@ -21144,7 +21144,7 @@
           <a:p>
             <a:r>
               <a:rPr lang="ru-RU" dirty="0"/>
-              <a:t>Методика Расчета себестоимости рейса</a:t>
+              <a:t>Подготовка датасета</a:t>
             </a:r>
             <a:endParaRPr lang="en-US" dirty="0"/>
           </a:p>
@@ -21174,8 +21174,12 @@
           <a:lstStyle/>
           <a:p>
             <a:r>
+              <a:rPr lang="ru-RU" dirty="0"/>
+              <a:t>1</a:t>
+            </a:r>
+            <a:r>
               <a:rPr lang="en-US" dirty="0"/>
-              <a:t>6. </a:t>
+              <a:t>. </a:t>
             </a:r>
             <a:r>
               <a:rPr lang="ru-RU" dirty="0"/>

--- a/module_4/presentation.pptx
+++ b/module_4/presentation.pptx
@@ -6,9 +6,10 @@
   </p:sldMasterIdLst>
   <p:sldIdLst>
     <p:sldId id="256" r:id="rId2"/>
-    <p:sldId id="257" r:id="rId3"/>
+    <p:sldId id="260" r:id="rId3"/>
     <p:sldId id="258" r:id="rId4"/>
     <p:sldId id="259" r:id="rId5"/>
+    <p:sldId id="261" r:id="rId6"/>
   </p:sldIdLst>
   <p:sldSz cx="12192000" cy="6858000"/>
   <p:notesSz cx="6858000" cy="9144000"/>
@@ -20873,7 +20874,7 @@
     </p:spTree>
     <p:extLst>
       <p:ext uri="{BB962C8B-B14F-4D97-AF65-F5344CB8AC3E}">
-        <p14:creationId xmlns:p14="http://schemas.microsoft.com/office/powerpoint/2010/main" val="1615839662"/>
+        <p14:creationId xmlns:p14="http://schemas.microsoft.com/office/powerpoint/2010/main" val="774385105"/>
       </p:ext>
     </p:extLst>
   </p:cSld>
@@ -21224,6 +21225,126 @@
 </p:sld>
 </file>
 
+<file path=ppt/slides/slide5.xml><?xml version="1.0" encoding="utf-8"?>
+<p:sld xmlns:a="http://schemas.openxmlformats.org/drawingml/2006/main" xmlns:r="http://schemas.openxmlformats.org/officeDocument/2006/relationships" xmlns:p="http://schemas.openxmlformats.org/presentationml/2006/main">
+  <p:cSld>
+    <p:spTree>
+      <p:nvGrpSpPr>
+        <p:cNvPr id="1" name=""/>
+        <p:cNvGrpSpPr/>
+        <p:nvPr/>
+      </p:nvGrpSpPr>
+      <p:grpSpPr>
+        <a:xfrm>
+          <a:off x="0" y="0"/>
+          <a:ext cx="0" cy="0"/>
+          <a:chOff x="0" y="0"/>
+          <a:chExt cx="0" cy="0"/>
+        </a:xfrm>
+      </p:grpSpPr>
+      <p:sp>
+        <p:nvSpPr>
+          <p:cNvPr id="2" name="Title 1">
+            <a:extLst>
+              <a:ext uri="{FF2B5EF4-FFF2-40B4-BE49-F238E27FC236}">
+                <a16:creationId xmlns:a16="http://schemas.microsoft.com/office/drawing/2014/main" id="{6876B0D3-6D71-475F-ADCA-623B03FD9596}"/>
+              </a:ext>
+            </a:extLst>
+          </p:cNvPr>
+          <p:cNvSpPr>
+            <a:spLocks noGrp="1"/>
+          </p:cNvSpPr>
+          <p:nvPr>
+            <p:ph type="title"/>
+          </p:nvPr>
+        </p:nvSpPr>
+        <p:spPr/>
+        <p:txBody>
+          <a:bodyPr/>
+          <a:lstStyle/>
+          <a:p>
+            <a:r>
+              <a:rPr lang="ru-RU" dirty="0"/>
+              <a:t>Подготовка датасета</a:t>
+            </a:r>
+            <a:endParaRPr lang="en-US" dirty="0"/>
+          </a:p>
+        </p:txBody>
+      </p:sp>
+      <p:sp>
+        <p:nvSpPr>
+          <p:cNvPr id="3" name="Content Placeholder 2">
+            <a:extLst>
+              <a:ext uri="{FF2B5EF4-FFF2-40B4-BE49-F238E27FC236}">
+                <a16:creationId xmlns:a16="http://schemas.microsoft.com/office/drawing/2014/main" id="{B1088D97-F35F-416B-ABB8-69DD24FB6083}"/>
+              </a:ext>
+            </a:extLst>
+          </p:cNvPr>
+          <p:cNvSpPr>
+            <a:spLocks noGrp="1"/>
+          </p:cNvSpPr>
+          <p:nvPr>
+            <p:ph idx="1"/>
+          </p:nvPr>
+        </p:nvSpPr>
+        <p:spPr/>
+        <p:txBody>
+          <a:bodyPr>
+            <a:normAutofit/>
+          </a:bodyPr>
+          <a:lstStyle/>
+          <a:p>
+            <a:r>
+              <a:rPr lang="ru-RU" dirty="0"/>
+              <a:t>1</a:t>
+            </a:r>
+            <a:r>
+              <a:rPr lang="en-US" dirty="0"/>
+              <a:t>. </a:t>
+            </a:r>
+            <a:r>
+              <a:rPr lang="ru-RU" dirty="0"/>
+              <a:t>Расчитаем прибыль для каждого рейса</a:t>
+            </a:r>
+            <a:r>
+              <a:rPr lang="en-US" dirty="0"/>
+              <a:t> (</a:t>
+            </a:r>
+            <a:r>
+              <a:rPr lang="ru-RU" dirty="0"/>
+              <a:t>средний курс в 2017 был </a:t>
+            </a:r>
+            <a:r>
+              <a:rPr lang="ru-RU" dirty="0">
+                <a:hlinkClick r:id="rId2"/>
+              </a:rPr>
+              <a:t>58.14</a:t>
+            </a:r>
+            <a:r>
+              <a:rPr lang="ru-RU" dirty="0"/>
+              <a:t> руб</a:t>
+            </a:r>
+            <a:r>
+              <a:rPr lang="en-US" dirty="0"/>
+              <a:t>/$) - </a:t>
+            </a:r>
+            <a:endParaRPr lang="ru-RU" dirty="0"/>
+          </a:p>
+        </p:txBody>
+      </p:sp>
+    </p:spTree>
+    <p:extLst>
+      <p:ext uri="{BB962C8B-B14F-4D97-AF65-F5344CB8AC3E}">
+        <p14:creationId xmlns:p14="http://schemas.microsoft.com/office/powerpoint/2010/main" val="2267514295"/>
+      </p:ext>
+    </p:extLst>
+  </p:cSld>
+  <p:clrMapOvr>
+    <a:masterClrMapping/>
+  </p:clrMapOvr>
+</p:sld>
+</file>
+
 <file path=ppt/theme/theme1.xml><?xml version="1.0" encoding="utf-8"?>
 <a:theme xmlns:a="http://schemas.openxmlformats.org/drawingml/2006/main" name="Integral">
   <a:themeElements>

--- a/module_4/presentation.pptx
+++ b/module_4/presentation.pptx
@@ -7,9 +7,9 @@
   <p:sldIdLst>
     <p:sldId id="256" r:id="rId2"/>
     <p:sldId id="260" r:id="rId3"/>
-    <p:sldId id="258" r:id="rId4"/>
-    <p:sldId id="259" r:id="rId5"/>
-    <p:sldId id="261" r:id="rId6"/>
+    <p:sldId id="259" r:id="rId4"/>
+    <p:sldId id="258" r:id="rId5"/>
+    <p:sldId id="262" r:id="rId6"/>
   </p:sldIdLst>
   <p:sldSz cx="12192000" cy="6858000"/>
   <p:notesSz cx="6858000" cy="9144000"/>
@@ -20725,7 +20725,7 @@
           <a:p>
             <a:r>
               <a:rPr lang="ru-RU" dirty="0"/>
-              <a:t>Методика Расчета себестоимости рейса</a:t>
+              <a:t>Предварительный анализ данных</a:t>
             </a:r>
             <a:endParaRPr lang="en-US" dirty="0"/>
           </a:p>
@@ -20756,7 +20756,15 @@
           <a:p>
             <a:r>
               <a:rPr lang="ru-RU" dirty="0"/>
-              <a:t>1. Список аэропортов, куда есть рейсы из Анапы: </a:t>
+              <a:t>1</a:t>
+            </a:r>
+            <a:r>
+              <a:rPr lang="en-US" dirty="0"/>
+              <a:t>)</a:t>
+            </a:r>
+            <a:r>
+              <a:rPr lang="ru-RU" dirty="0"/>
+              <a:t> Список аэропортов, куда есть рейсы из Анапы: </a:t>
             </a:r>
             <a:r>
               <a:rPr lang="en-US" dirty="0"/>
@@ -20774,7 +20782,15 @@
           <a:p>
             <a:r>
               <a:rPr lang="ru-RU" dirty="0"/>
-              <a:t>2. Модели самолетов, которые летают их/в Анапу: </a:t>
+              <a:t>2</a:t>
+            </a:r>
+            <a:r>
+              <a:rPr lang="en-US" dirty="0"/>
+              <a:t>)</a:t>
+            </a:r>
+            <a:r>
+              <a:rPr lang="ru-RU" dirty="0"/>
+              <a:t> Модели самолетов, которые летают их/в Анапу: </a:t>
             </a:r>
             <a:r>
               <a:rPr lang="en-US" dirty="0"/>
@@ -20797,7 +20813,7 @@
             </a:r>
             <a:r>
               <a:rPr lang="en-US" dirty="0"/>
-              <a:t>. </a:t>
+              <a:t>) </a:t>
             </a:r>
             <a:r>
               <a:rPr lang="ru-RU" dirty="0"/>
@@ -20924,7 +20940,7 @@
           <a:p>
             <a:r>
               <a:rPr lang="ru-RU" dirty="0"/>
-              <a:t>Методика Расчета себестоимости рейса</a:t>
+              <a:t>Структура датасета</a:t>
             </a:r>
             <a:endParaRPr lang="en-US" dirty="0"/>
           </a:p>
@@ -20949,153 +20965,163 @@
         <p:spPr/>
         <p:txBody>
           <a:bodyPr>
-            <a:normAutofit/>
+            <a:normAutofit fontScale="92500" lnSpcReduction="20000"/>
           </a:bodyPr>
           <a:lstStyle/>
           <a:p>
             <a:r>
               <a:rPr lang="ru-RU" dirty="0"/>
-              <a:t>4.</a:t>
+              <a:t>В файле </a:t>
             </a:r>
             <a:r>
               <a:rPr lang="en-US" dirty="0"/>
-              <a:t> </a:t>
+              <a:t>anapa_flights.xlsx </a:t>
             </a:r>
             <a:r>
               <a:rPr lang="ru-RU" dirty="0"/>
-              <a:t>Расход топлива на 100 км на 1 место (источник - </a:t>
-            </a:r>
-            <a:r>
-              <a:rPr lang="en-US" dirty="0">
-                <a:hlinkClick r:id="rId2"/>
-              </a:rPr>
-              <a:t>https://en.wikipedia.org/wiki/Fuel_economy_in_aircraft</a:t>
-            </a:r>
-            <a:r>
-              <a:rPr lang="ru-RU" dirty="0"/>
-              <a:t>):</a:t>
-            </a:r>
-          </a:p>
-          <a:p>
-            <a:pPr marL="640080"/>
-            <a:r>
-              <a:rPr lang="en-US" dirty="0"/>
-              <a:t>Boeing 737-300: 3.46 </a:t>
-            </a:r>
-            <a:r>
-              <a:rPr lang="ru-RU" dirty="0"/>
-              <a:t>л</a:t>
-            </a:r>
-            <a:endParaRPr lang="en-US" dirty="0"/>
-          </a:p>
-          <a:p>
-            <a:pPr marL="640080"/>
-            <a:r>
-              <a:rPr lang="en-US" dirty="0"/>
-              <a:t>Sukhoi Superjet-100: 3.59 </a:t>
-            </a:r>
-            <a:r>
-              <a:rPr lang="ru-RU" dirty="0"/>
-              <a:t>л</a:t>
+              <a:t>собрана информация о 127 полетах.</a:t>
             </a:r>
           </a:p>
           <a:p>
             <a:r>
-              <a:rPr lang="ru-RU" dirty="0"/>
-              <a:t>5. Затраты на рейс в зависимости от типа самолета (при условии, что затраты на топливо составляют </a:t>
+              <a:rPr lang="ru-RU" u="sng" dirty="0"/>
+              <a:t>Столбцы датасета:</a:t>
             </a:r>
+          </a:p>
+          <a:p>
+            <a:pPr marL="731520" indent="-457200">
+              <a:buClrTx/>
+              <a:buFont typeface="Wingdings" panose="05000000000000000000" pitchFamily="2" charset="2"/>
+              <a:buChar char="ü"/>
+            </a:pPr>
             <a:r>
-              <a:rPr lang="en-US" dirty="0">
-                <a:hlinkClick r:id="rId3"/>
-              </a:rPr>
-              <a:t>23.7</a:t>
-            </a:r>
-            <a:r>
-              <a:rPr lang="ru-RU" dirty="0">
-                <a:hlinkClick r:id="rId3"/>
-              </a:rPr>
-              <a:t>%</a:t>
+              <a:rPr lang="en-US" dirty="0" err="1"/>
+              <a:t>flight_id</a:t>
             </a:r>
             <a:r>
               <a:rPr lang="en-US" dirty="0"/>
-              <a:t>, 1 </a:t>
+              <a:t> – </a:t>
             </a:r>
             <a:r>
               <a:rPr lang="ru-RU" dirty="0"/>
-              <a:t>галлон</a:t>
+              <a:t>идентификатор рейса</a:t>
+            </a:r>
+          </a:p>
+          <a:p>
+            <a:pPr marL="731520" indent="-457200">
+              <a:buClrTx/>
+              <a:buFont typeface="Wingdings" panose="05000000000000000000" pitchFamily="2" charset="2"/>
+              <a:buChar char="ü"/>
+            </a:pPr>
+            <a:r>
+              <a:rPr lang="en-US" dirty="0" err="1"/>
+              <a:t>flight_no</a:t>
+            </a:r>
+            <a:r>
+              <a:rPr lang="ru-RU" dirty="0"/>
+              <a:t> – номер рейса</a:t>
+            </a:r>
+          </a:p>
+          <a:p>
+            <a:pPr marL="731520" indent="-457200">
+              <a:buClrTx/>
+              <a:buFont typeface="Wingdings" panose="05000000000000000000" pitchFamily="2" charset="2"/>
+              <a:buChar char="ü"/>
+            </a:pPr>
+            <a:r>
+              <a:rPr lang="en-US" dirty="0" err="1"/>
+              <a:t>scheduled_departure</a:t>
+            </a:r>
+            <a:r>
+              <a:rPr lang="ru-RU" dirty="0"/>
+              <a:t> – время вылета по расписанию</a:t>
+            </a:r>
+          </a:p>
+          <a:p>
+            <a:pPr marL="731520" indent="-457200">
+              <a:buClrTx/>
+              <a:buFont typeface="Wingdings" panose="05000000000000000000" pitchFamily="2" charset="2"/>
+              <a:buChar char="ü"/>
+            </a:pPr>
+            <a:r>
+              <a:rPr lang="en-US" dirty="0"/>
+              <a:t>model</a:t>
+            </a:r>
+            <a:r>
+              <a:rPr lang="ru-RU" dirty="0"/>
+              <a:t> – модель самолета</a:t>
+            </a:r>
+          </a:p>
+          <a:p>
+            <a:pPr marL="731520" indent="-457200">
+              <a:buClrTx/>
+              <a:buFont typeface="Wingdings" panose="05000000000000000000" pitchFamily="2" charset="2"/>
+              <a:buChar char="ü"/>
+            </a:pPr>
+            <a:r>
+              <a:rPr lang="en-US" dirty="0" err="1"/>
+              <a:t>arrival_airport</a:t>
             </a:r>
             <a:r>
               <a:rPr lang="en-US" dirty="0"/>
-              <a:t> (4.54609</a:t>
+              <a:t> – </a:t>
             </a:r>
             <a:r>
               <a:rPr lang="ru-RU" dirty="0"/>
-              <a:t> литра</a:t>
+              <a:t>аэропорт прибытия</a:t>
             </a:r>
+          </a:p>
+          <a:p>
+            <a:pPr marL="731520" indent="-457200">
+              <a:buClrTx/>
+              <a:buFont typeface="Wingdings" panose="05000000000000000000" pitchFamily="2" charset="2"/>
+              <a:buChar char="ü"/>
+            </a:pPr>
             <a:r>
-              <a:rPr lang="en-US" dirty="0"/>
-              <a:t>)</a:t>
+              <a:rPr lang="en-US" dirty="0" err="1"/>
+              <a:t>seat_count</a:t>
             </a:r>
             <a:r>
               <a:rPr lang="ru-RU" dirty="0"/>
-              <a:t> стоил </a:t>
+              <a:t> – количество мест в самолете</a:t>
             </a:r>
+          </a:p>
+          <a:p>
+            <a:pPr marL="731520" indent="-457200">
+              <a:buClrTx/>
+              <a:buFont typeface="Wingdings" panose="05000000000000000000" pitchFamily="2" charset="2"/>
+              <a:buChar char="ü"/>
+            </a:pPr>
             <a:r>
-              <a:rPr lang="en-US" dirty="0">
-                <a:hlinkClick r:id="rId4"/>
-              </a:rPr>
-              <a:t>$</a:t>
-            </a:r>
-            <a:r>
-              <a:rPr lang="ru-RU" dirty="0">
-                <a:hlinkClick r:id="rId4"/>
-              </a:rPr>
-              <a:t>1.55</a:t>
+              <a:rPr lang="en-US" dirty="0" err="1"/>
+              <a:t>distance_km</a:t>
             </a:r>
             <a:r>
               <a:rPr lang="ru-RU" dirty="0"/>
-              <a:t> в 2017 г.):</a:t>
+              <a:t> – расстояние между аэропортами в километрах</a:t>
             </a:r>
           </a:p>
           <a:p>
-            <a:endParaRPr lang="ru-RU" dirty="0"/>
+            <a:pPr marL="731520" indent="-457200">
+              <a:buClrTx/>
+              <a:buFont typeface="Wingdings" panose="05000000000000000000" pitchFamily="2" charset="2"/>
+              <a:buChar char="ü"/>
+            </a:pPr>
+            <a:r>
+              <a:rPr lang="en-US" dirty="0" err="1"/>
+              <a:t>total_amount</a:t>
+            </a:r>
+            <a:r>
+              <a:rPr lang="ru-RU" dirty="0"/>
+              <a:t> – совокупная выручка от продажи билетов на этот рейс (в рублях)</a:t>
+            </a:r>
           </a:p>
         </p:txBody>
       </p:sp>
-      <p:pic>
-        <p:nvPicPr>
-          <p:cNvPr id="7" name="Picture 6">
-            <a:extLst>
-              <a:ext uri="{FF2B5EF4-FFF2-40B4-BE49-F238E27FC236}">
-                <a16:creationId xmlns:a16="http://schemas.microsoft.com/office/drawing/2014/main" id="{1AAE1EA5-4AE3-47EE-A8AF-2DE682CEB0A5}"/>
-              </a:ext>
-            </a:extLst>
-          </p:cNvPr>
-          <p:cNvPicPr>
-            <a:picLocks noChangeAspect="1"/>
-          </p:cNvPicPr>
-          <p:nvPr/>
-        </p:nvPicPr>
-        <p:blipFill>
-          <a:blip r:embed="rId5"/>
-          <a:stretch>
-            <a:fillRect/>
-          </a:stretch>
-        </p:blipFill>
-        <p:spPr>
-          <a:xfrm>
-            <a:off x="1691080" y="4834509"/>
-            <a:ext cx="4791075" cy="1438275"/>
-          </a:xfrm>
-          <a:prstGeom prst="rect">
-            <a:avLst/>
-          </a:prstGeom>
-        </p:spPr>
-      </p:pic>
     </p:spTree>
     <p:extLst>
       <p:ext uri="{BB962C8B-B14F-4D97-AF65-F5344CB8AC3E}">
-        <p14:creationId xmlns:p14="http://schemas.microsoft.com/office/powerpoint/2010/main" val="1395592663"/>
+        <p14:creationId xmlns:p14="http://schemas.microsoft.com/office/powerpoint/2010/main" val="1091117781"/>
       </p:ext>
     </p:extLst>
   </p:cSld>
@@ -21145,7 +21171,7 @@
           <a:p>
             <a:r>
               <a:rPr lang="ru-RU" dirty="0"/>
-              <a:t>Подготовка датасета</a:t>
+              <a:t>Методика Расчета себестоимости рейса</a:t>
             </a:r>
             <a:endParaRPr lang="en-US" dirty="0"/>
           </a:p>
@@ -21180,42 +21206,98 @@
             </a:r>
             <a:r>
               <a:rPr lang="en-US" dirty="0"/>
-              <a:t>. </a:t>
+              <a:t>) </a:t>
             </a:r>
             <a:r>
               <a:rPr lang="ru-RU" dirty="0"/>
-              <a:t>Расчитаем прибыль для каждого рейса</a:t>
+              <a:t>Расход топлива на 100 км на 1 место (источник - </a:t>
+            </a:r>
+            <a:r>
+              <a:rPr lang="en-US" dirty="0">
+                <a:hlinkClick r:id="rId2"/>
+              </a:rPr>
+              <a:t>https://en.wikipedia.org/wiki/Fuel_economy_in_aircraft</a:t>
+            </a:r>
+            <a:r>
+              <a:rPr lang="ru-RU" dirty="0"/>
+              <a:t>):</a:t>
+            </a:r>
+          </a:p>
+          <a:p>
+            <a:pPr marL="640080"/>
+            <a:r>
+              <a:rPr lang="en-US" dirty="0"/>
+              <a:t>Boeing 737-300: 3.46 </a:t>
+            </a:r>
+            <a:r>
+              <a:rPr lang="ru-RU" dirty="0"/>
+              <a:t>л</a:t>
+            </a:r>
+            <a:endParaRPr lang="en-US" dirty="0"/>
+          </a:p>
+          <a:p>
+            <a:pPr marL="640080"/>
+            <a:r>
+              <a:rPr lang="en-US" dirty="0"/>
+              <a:t>Sukhoi Superjet-100: 3.59 </a:t>
+            </a:r>
+            <a:r>
+              <a:rPr lang="ru-RU" dirty="0"/>
+              <a:t>л</a:t>
+            </a:r>
+            <a:endParaRPr lang="en-US" dirty="0"/>
+          </a:p>
+          <a:p>
+            <a:pPr marL="640080"/>
+            <a:endParaRPr lang="ru-RU" dirty="0"/>
+          </a:p>
+          <a:p>
+            <a:r>
+              <a:rPr lang="ru-RU" dirty="0"/>
+              <a:t>2</a:t>
             </a:r>
             <a:r>
               <a:rPr lang="en-US" dirty="0"/>
-              <a:t> (</a:t>
+              <a:t>)</a:t>
             </a:r>
             <a:r>
               <a:rPr lang="ru-RU" dirty="0"/>
-              <a:t>средний курс в 2017 был </a:t>
+              <a:t> Затраты на топливо составляют </a:t>
             </a:r>
             <a:r>
-              <a:rPr lang="ru-RU" dirty="0">
-                <a:hlinkClick r:id="rId2"/>
-              </a:rPr>
-              <a:t>58.14</a:t>
+              <a:rPr lang="en-US" dirty="0"/>
+              <a:t>23.7</a:t>
             </a:r>
             <a:r>
               <a:rPr lang="ru-RU" dirty="0"/>
-              <a:t> руб</a:t>
+              <a:t>% от совокупных затрат на рейс: </a:t>
             </a:r>
             <a:r>
-              <a:rPr lang="en-US" dirty="0"/>
-              <a:t>/$) - </a:t>
+              <a:rPr lang="en-US" dirty="0">
+                <a:hlinkClick r:id="rId3"/>
+              </a:rPr>
+              <a:t>https://www.iata.org/contentassets/ebdba50e57194019930d72722413edd4/fact-sheet-fuel.pdf</a:t>
             </a:r>
-            <a:endParaRPr lang="ru-RU" dirty="0"/>
+            <a:r>
+              <a:rPr lang="ru-RU" dirty="0"/>
+              <a:t> </a:t>
+            </a:r>
+          </a:p>
+          <a:p>
+            <a:pPr marL="0" indent="0">
+              <a:buNone/>
+            </a:pPr>
+            <a:r>
+              <a:rPr lang="ru-RU" dirty="0"/>
+              <a:t>  </a:t>
+            </a:r>
           </a:p>
         </p:txBody>
       </p:sp>
     </p:spTree>
     <p:extLst>
       <p:ext uri="{BB962C8B-B14F-4D97-AF65-F5344CB8AC3E}">
-        <p14:creationId xmlns:p14="http://schemas.microsoft.com/office/powerpoint/2010/main" val="1091117781"/>
+        <p14:creationId xmlns:p14="http://schemas.microsoft.com/office/powerpoint/2010/main" val="1395592663"/>
       </p:ext>
     </p:extLst>
   </p:cSld>
@@ -21265,7 +21347,7 @@
           <a:p>
             <a:r>
               <a:rPr lang="ru-RU" dirty="0"/>
-              <a:t>Подготовка датасета</a:t>
+              <a:t>Методика Расчета себестоимости рейса</a:t>
             </a:r>
             <a:endParaRPr lang="en-US" dirty="0"/>
           </a:p>
@@ -21296,46 +21378,331 @@
           <a:p>
             <a:r>
               <a:rPr lang="ru-RU" dirty="0"/>
-              <a:t>1</a:t>
+              <a:t>3. Стоимость авиционного керосина за 1 тонну в Анапе:</a:t>
             </a:r>
+          </a:p>
+          <a:p>
+            <a:endParaRPr lang="ru-RU" dirty="0"/>
+          </a:p>
+          <a:p>
+            <a:endParaRPr lang="ru-RU" dirty="0"/>
+          </a:p>
+          <a:p>
             <a:r>
               <a:rPr lang="en-US" dirty="0"/>
-              <a:t>. </a:t>
+              <a:t>4</a:t>
             </a:r>
             <a:r>
               <a:rPr lang="ru-RU" dirty="0"/>
-              <a:t>Расчитаем прибыль для каждого рейса</a:t>
-            </a:r>
-            <a:r>
-              <a:rPr lang="en-US" dirty="0"/>
-              <a:t> (</a:t>
-            </a:r>
-            <a:r>
-              <a:rPr lang="ru-RU" dirty="0"/>
-              <a:t>средний курс в 2017 был </a:t>
+              <a:t>. 1 кг авиационного бензина приэталонной плотности 0,715 кг/м3 при температуре 15°C составляет около </a:t>
             </a:r>
             <a:r>
               <a:rPr lang="ru-RU" dirty="0">
                 <a:hlinkClick r:id="rId2"/>
               </a:rPr>
-              <a:t>58.14</a:t>
+              <a:t>1,4 литров</a:t>
+            </a:r>
+            <a:endParaRPr lang="ru-RU" dirty="0"/>
+          </a:p>
+          <a:p>
+            <a:r>
+              <a:rPr lang="en-US" dirty="0"/>
+              <a:t>5. </a:t>
             </a:r>
             <a:r>
               <a:rPr lang="ru-RU" dirty="0"/>
-              <a:t> руб</a:t>
+              <a:t>Формула расчета стоимости топлива на рейс:</a:t>
+            </a:r>
+          </a:p>
+          <a:p>
+            <a:pPr marL="0" indent="0" algn="ctr">
+              <a:buNone/>
+            </a:pPr>
+            <a:r>
+              <a:rPr lang="en-US" dirty="0"/>
+              <a:t>  </a:t>
+            </a:r>
+            <a:r>
+              <a:rPr lang="en-US" sz="1100" dirty="0"/>
+              <a:t>(</a:t>
+            </a:r>
+            <a:r>
+              <a:rPr lang="ru-RU" sz="1100" dirty="0"/>
+              <a:t>Расстояние</a:t>
+            </a:r>
+            <a:r>
+              <a:rPr lang="en-US" sz="1100" dirty="0"/>
+              <a:t>) * (</a:t>
+            </a:r>
+            <a:r>
+              <a:rPr lang="ru-RU" sz="1100" dirty="0"/>
+              <a:t>количество мест</a:t>
+            </a:r>
+            <a:r>
+              <a:rPr lang="en-US" sz="1100" dirty="0"/>
+              <a:t>)</a:t>
+            </a:r>
+            <a:r>
+              <a:rPr lang="ru-RU" sz="1100" dirty="0"/>
+              <a:t> </a:t>
+            </a:r>
+            <a:r>
+              <a:rPr lang="en-US" sz="1100" dirty="0"/>
+              <a:t>* [(</a:t>
+            </a:r>
+            <a:r>
+              <a:rPr lang="ru-RU" sz="1100" dirty="0"/>
+              <a:t>Расход топлива в литрах на 100 км на 1 место</a:t>
+            </a:r>
+            <a:r>
+              <a:rPr lang="en-US" sz="1100" dirty="0"/>
+              <a:t>)</a:t>
+            </a:r>
+            <a:r>
+              <a:rPr lang="ru-RU" sz="1100" dirty="0"/>
+              <a:t> </a:t>
+            </a:r>
+            <a:r>
+              <a:rPr lang="en-US" sz="1100" dirty="0"/>
+              <a:t>/ 100] / 1.4 * (</a:t>
+            </a:r>
+            <a:r>
+              <a:rPr lang="ru-RU" sz="1100" dirty="0"/>
+              <a:t>Стоимость авиционного керосина за 1 тонну</a:t>
+            </a:r>
+            <a:r>
+              <a:rPr lang="en-US" sz="1100" dirty="0"/>
+              <a:t>) / 1000</a:t>
+            </a:r>
+            <a:endParaRPr lang="ru-RU" sz="1100" dirty="0"/>
+          </a:p>
+          <a:p>
+            <a:pPr marL="0" indent="0">
+              <a:buNone/>
+            </a:pPr>
+            <a:r>
+              <a:rPr lang="ru-RU" dirty="0"/>
+              <a:t>  </a:t>
             </a:r>
             <a:r>
               <a:rPr lang="en-US" dirty="0"/>
-              <a:t>/$) - </a:t>
+              <a:t>6. </a:t>
             </a:r>
-            <a:endParaRPr lang="ru-RU" dirty="0"/>
+            <a:r>
+              <a:rPr lang="ru-RU" dirty="0"/>
+              <a:t>Формула расчета</a:t>
+            </a:r>
+            <a:r>
+              <a:rPr lang="en-US" dirty="0"/>
+              <a:t> </a:t>
+            </a:r>
+            <a:r>
+              <a:rPr lang="ru-RU" dirty="0"/>
+              <a:t>себестоимости рейса:</a:t>
+            </a:r>
+          </a:p>
+          <a:p>
+            <a:pPr marL="0" indent="0">
+              <a:lnSpc>
+                <a:spcPct val="100000"/>
+              </a:lnSpc>
+              <a:buNone/>
+            </a:pPr>
+            <a:r>
+              <a:rPr lang="en-US" sz="1100" dirty="0"/>
+              <a:t>          (</a:t>
+            </a:r>
+            <a:r>
+              <a:rPr lang="ru-RU" sz="1100" dirty="0"/>
+              <a:t>Стоимость топлива</a:t>
+            </a:r>
+            <a:r>
+              <a:rPr lang="en-US" sz="1100" dirty="0"/>
+              <a:t>)</a:t>
+            </a:r>
+            <a:r>
+              <a:rPr lang="ru-RU" sz="1100" dirty="0"/>
+              <a:t> </a:t>
+            </a:r>
+            <a:r>
+              <a:rPr lang="en-US" sz="1100" dirty="0"/>
+              <a:t>/ 0.237</a:t>
+            </a:r>
+            <a:endParaRPr lang="ru-RU" sz="1100" dirty="0"/>
           </a:p>
         </p:txBody>
       </p:sp>
+      <p:graphicFrame>
+        <p:nvGraphicFramePr>
+          <p:cNvPr id="4" name="Table 4">
+            <a:extLst>
+              <a:ext uri="{FF2B5EF4-FFF2-40B4-BE49-F238E27FC236}">
+                <a16:creationId xmlns:a16="http://schemas.microsoft.com/office/drawing/2014/main" id="{95A9965F-88D7-4CEA-A230-5A048C8BCAEB}"/>
+              </a:ext>
+            </a:extLst>
+          </p:cNvPr>
+          <p:cNvGraphicFramePr>
+            <a:graphicFrameLocks noGrp="1"/>
+          </p:cNvGraphicFramePr>
+          <p:nvPr>
+            <p:extLst>
+              <p:ext uri="{D42A27DB-BD31-4B8C-83A1-F6EECF244321}">
+                <p14:modId xmlns:p14="http://schemas.microsoft.com/office/powerpoint/2010/main" val="858877810"/>
+              </p:ext>
+            </p:extLst>
+          </p:nvPr>
+        </p:nvGraphicFramePr>
+        <p:xfrm>
+          <a:off x="1151156" y="2615578"/>
+          <a:ext cx="8127999" cy="741680"/>
+        </p:xfrm>
+        <a:graphic>
+          <a:graphicData uri="http://schemas.openxmlformats.org/drawingml/2006/table">
+            <a:tbl>
+              <a:tblPr firstRow="1" bandRow="1">
+                <a:tableStyleId>{5C22544A-7EE6-4342-B048-85BDC9FD1C3A}</a:tableStyleId>
+              </a:tblPr>
+              <a:tblGrid>
+                <a:gridCol w="2709333">
+                  <a:extLst>
+                    <a:ext uri="{9D8B030D-6E8A-4147-A177-3AD203B41FA5}">
+                      <a16:colId xmlns:a16="http://schemas.microsoft.com/office/drawing/2014/main" val="1240369670"/>
+                    </a:ext>
+                  </a:extLst>
+                </a:gridCol>
+                <a:gridCol w="2709333">
+                  <a:extLst>
+                    <a:ext uri="{9D8B030D-6E8A-4147-A177-3AD203B41FA5}">
+                      <a16:colId xmlns:a16="http://schemas.microsoft.com/office/drawing/2014/main" val="585568775"/>
+                    </a:ext>
+                  </a:extLst>
+                </a:gridCol>
+                <a:gridCol w="2709333">
+                  <a:extLst>
+                    <a:ext uri="{9D8B030D-6E8A-4147-A177-3AD203B41FA5}">
+                      <a16:colId xmlns:a16="http://schemas.microsoft.com/office/drawing/2014/main" val="4229072424"/>
+                    </a:ext>
+                  </a:extLst>
+                </a:gridCol>
+              </a:tblGrid>
+              <a:tr h="370840">
+                <a:tc>
+                  <a:txBody>
+                    <a:bodyPr/>
+                    <a:lstStyle/>
+                    <a:p>
+                      <a:pPr algn="ctr"/>
+                      <a:r>
+                        <a:rPr lang="ru-RU" dirty="0"/>
+                        <a:t>Январь 2017</a:t>
+                      </a:r>
+                      <a:endParaRPr lang="en-US" dirty="0"/>
+                    </a:p>
+                  </a:txBody>
+                  <a:tcPr/>
+                </a:tc>
+                <a:tc>
+                  <a:txBody>
+                    <a:bodyPr/>
+                    <a:lstStyle/>
+                    <a:p>
+                      <a:pPr algn="ctr"/>
+                      <a:r>
+                        <a:rPr lang="ru-RU" dirty="0"/>
+                        <a:t>Февраль 2017</a:t>
+                      </a:r>
+                      <a:endParaRPr lang="en-US" dirty="0"/>
+                    </a:p>
+                  </a:txBody>
+                  <a:tcPr/>
+                </a:tc>
+                <a:tc>
+                  <a:txBody>
+                    <a:bodyPr/>
+                    <a:lstStyle/>
+                    <a:p>
+                      <a:pPr algn="ctr"/>
+                      <a:r>
+                        <a:rPr lang="ru-RU" dirty="0"/>
+                        <a:t>Декабрь 2017</a:t>
+                      </a:r>
+                      <a:endParaRPr lang="en-US" dirty="0"/>
+                    </a:p>
+                  </a:txBody>
+                  <a:tcPr/>
+                </a:tc>
+                <a:extLst>
+                  <a:ext uri="{0D108BD9-81ED-4DB2-BD59-A6C34878D82A}">
+                    <a16:rowId xmlns:a16="http://schemas.microsoft.com/office/drawing/2014/main" val="164734564"/>
+                  </a:ext>
+                </a:extLst>
+              </a:tr>
+              <a:tr h="370840">
+                <a:tc>
+                  <a:txBody>
+                    <a:bodyPr/>
+                    <a:lstStyle/>
+                    <a:p>
+                      <a:pPr algn="ctr"/>
+                      <a:r>
+                        <a:rPr lang="en-US" dirty="0">
+                          <a:hlinkClick r:id="rId3"/>
+                        </a:rPr>
+                        <a:t>41435</a:t>
+                      </a:r>
+                      <a:endParaRPr lang="en-US" dirty="0"/>
+                    </a:p>
+                  </a:txBody>
+                  <a:tcPr/>
+                </a:tc>
+                <a:tc>
+                  <a:txBody>
+                    <a:bodyPr/>
+                    <a:lstStyle/>
+                    <a:p>
+                      <a:pPr algn="ctr"/>
+                      <a:r>
+                        <a:rPr lang="en-US" dirty="0">
+                          <a:hlinkClick r:id="rId3"/>
+                        </a:rPr>
+                        <a:t>39553</a:t>
+                      </a:r>
+                      <a:endParaRPr lang="en-US" dirty="0"/>
+                    </a:p>
+                  </a:txBody>
+                  <a:tcPr/>
+                </a:tc>
+                <a:tc>
+                  <a:txBody>
+                    <a:bodyPr/>
+                    <a:lstStyle/>
+                    <a:p>
+                      <a:pPr algn="ctr"/>
+                      <a:r>
+                        <a:rPr lang="en-US" dirty="0">
+                          <a:hlinkClick r:id="rId4"/>
+                        </a:rPr>
+                        <a:t>47101</a:t>
+                      </a:r>
+                      <a:endParaRPr lang="en-US" dirty="0"/>
+                    </a:p>
+                  </a:txBody>
+                  <a:tcPr/>
+                </a:tc>
+                <a:extLst>
+                  <a:ext uri="{0D108BD9-81ED-4DB2-BD59-A6C34878D82A}">
+                    <a16:rowId xmlns:a16="http://schemas.microsoft.com/office/drawing/2014/main" val="2594086205"/>
+                  </a:ext>
+                </a:extLst>
+              </a:tr>
+            </a:tbl>
+          </a:graphicData>
+        </a:graphic>
+      </p:graphicFrame>
     </p:spTree>
     <p:extLst>
       <p:ext uri="{BB962C8B-B14F-4D97-AF65-F5344CB8AC3E}">
-        <p14:creationId xmlns:p14="http://schemas.microsoft.com/office/powerpoint/2010/main" val="2267514295"/>
+        <p14:creationId xmlns:p14="http://schemas.microsoft.com/office/powerpoint/2010/main" val="1738531614"/>
       </p:ext>
     </p:extLst>
   </p:cSld>

--- a/module_4/presentation.pptx
+++ b/module_4/presentation.pptx
@@ -10,6 +10,7 @@
     <p:sldId id="259" r:id="rId4"/>
     <p:sldId id="258" r:id="rId5"/>
     <p:sldId id="262" r:id="rId6"/>
+    <p:sldId id="263" r:id="rId7"/>
   </p:sldIdLst>
   <p:sldSz cx="12192000" cy="6858000"/>
   <p:notesSz cx="6858000" cy="9144000"/>
@@ -21712,6 +21713,251 @@
 </p:sld>
 </file>
 
+<file path=ppt/slides/slide6.xml><?xml version="1.0" encoding="utf-8"?>
+<p:sld xmlns:a="http://schemas.openxmlformats.org/drawingml/2006/main" xmlns:r="http://schemas.openxmlformats.org/officeDocument/2006/relationships" xmlns:p="http://schemas.openxmlformats.org/presentationml/2006/main">
+  <p:cSld>
+    <p:spTree>
+      <p:nvGrpSpPr>
+        <p:cNvPr id="1" name=""/>
+        <p:cNvGrpSpPr/>
+        <p:nvPr/>
+      </p:nvGrpSpPr>
+      <p:grpSpPr>
+        <a:xfrm>
+          <a:off x="0" y="0"/>
+          <a:ext cx="0" cy="0"/>
+          <a:chOff x="0" y="0"/>
+          <a:chExt cx="0" cy="0"/>
+        </a:xfrm>
+      </p:grpSpPr>
+      <p:sp>
+        <p:nvSpPr>
+          <p:cNvPr id="2" name="Title 1">
+            <a:extLst>
+              <a:ext uri="{FF2B5EF4-FFF2-40B4-BE49-F238E27FC236}">
+                <a16:creationId xmlns:a16="http://schemas.microsoft.com/office/drawing/2014/main" id="{6876B0D3-6D71-475F-ADCA-623B03FD9596}"/>
+              </a:ext>
+            </a:extLst>
+          </p:cNvPr>
+          <p:cNvSpPr>
+            <a:spLocks noGrp="1"/>
+          </p:cNvSpPr>
+          <p:nvPr>
+            <p:ph type="title"/>
+          </p:nvPr>
+        </p:nvSpPr>
+        <p:spPr/>
+        <p:txBody>
+          <a:bodyPr/>
+          <a:lstStyle/>
+          <a:p>
+            <a:r>
+              <a:rPr lang="ru-RU" dirty="0"/>
+              <a:t>ВЫВОДЫ</a:t>
+            </a:r>
+            <a:endParaRPr lang="en-US" dirty="0"/>
+          </a:p>
+        </p:txBody>
+      </p:sp>
+      <p:sp>
+        <p:nvSpPr>
+          <p:cNvPr id="3" name="Content Placeholder 2">
+            <a:extLst>
+              <a:ext uri="{FF2B5EF4-FFF2-40B4-BE49-F238E27FC236}">
+                <a16:creationId xmlns:a16="http://schemas.microsoft.com/office/drawing/2014/main" id="{B1088D97-F35F-416B-ABB8-69DD24FB6083}"/>
+              </a:ext>
+            </a:extLst>
+          </p:cNvPr>
+          <p:cNvSpPr>
+            <a:spLocks noGrp="1"/>
+          </p:cNvSpPr>
+          <p:nvPr>
+            <p:ph idx="1"/>
+          </p:nvPr>
+        </p:nvSpPr>
+        <p:spPr/>
+        <p:txBody>
+          <a:bodyPr>
+            <a:normAutofit/>
+          </a:bodyPr>
+          <a:lstStyle/>
+          <a:p>
+            <a:r>
+              <a:rPr lang="ru-RU" dirty="0"/>
+              <a:t>1. Девять рейсов </a:t>
+            </a:r>
+            <a:r>
+              <a:rPr lang="en-US" dirty="0"/>
+              <a:t>PG0194</a:t>
+            </a:r>
+            <a:r>
+              <a:rPr lang="ru-RU" dirty="0"/>
+              <a:t> в Новокузнецк летали без пассажиров и принесли совокупный убыток в 17,999,579.37 рублей. Больше рейсов в Новокузнецк не было. Рейс </a:t>
+            </a:r>
+            <a:r>
+              <a:rPr lang="en-US" dirty="0"/>
+              <a:t>PG0194</a:t>
+            </a:r>
+            <a:r>
+              <a:rPr lang="ru-RU" dirty="0"/>
+              <a:t> надо отменять!</a:t>
+            </a:r>
+          </a:p>
+          <a:p>
+            <a:r>
+              <a:rPr lang="ru-RU" dirty="0"/>
+              <a:t>2. Совокупная прибыль всех других рейсов составила 337</a:t>
+            </a:r>
+            <a:r>
+              <a:rPr lang="en-US" dirty="0"/>
+              <a:t>,</a:t>
+            </a:r>
+            <a:r>
+              <a:rPr lang="ru-RU" dirty="0"/>
+              <a:t>218</a:t>
+            </a:r>
+            <a:r>
+              <a:rPr lang="en-US" dirty="0"/>
+              <a:t>,</a:t>
+            </a:r>
+            <a:r>
+              <a:rPr lang="ru-RU" dirty="0"/>
+              <a:t>183.94 рублей</a:t>
+            </a:r>
+          </a:p>
+          <a:p>
+            <a:r>
+              <a:rPr lang="ru-RU" dirty="0"/>
+              <a:t>3. Совокупная прибыль</a:t>
+            </a:r>
+            <a:r>
+              <a:rPr lang="en-US" dirty="0"/>
+              <a:t> </a:t>
+            </a:r>
+            <a:r>
+              <a:rPr lang="ru-RU" dirty="0"/>
+              <a:t>полетов в Москву составила 192</a:t>
+            </a:r>
+            <a:r>
+              <a:rPr lang="en-US" dirty="0"/>
+              <a:t>,</a:t>
+            </a:r>
+            <a:r>
+              <a:rPr lang="ru-RU" dirty="0"/>
+              <a:t>432</a:t>
+            </a:r>
+            <a:r>
+              <a:rPr lang="en-US" dirty="0"/>
+              <a:t>,</a:t>
+            </a:r>
+            <a:r>
+              <a:rPr lang="ru-RU" dirty="0"/>
+              <a:t>531.39 рублей или</a:t>
+            </a:r>
+            <a:r>
+              <a:rPr lang="en-US" dirty="0"/>
+              <a:t> </a:t>
+            </a:r>
+            <a:r>
+              <a:rPr lang="ru-RU" dirty="0"/>
+              <a:t>в среднем </a:t>
+            </a:r>
+            <a:r>
+              <a:rPr lang="en-US" dirty="0"/>
+              <a:t>3,261,568.33</a:t>
+            </a:r>
+            <a:r>
+              <a:rPr lang="ru-RU" dirty="0"/>
+              <a:t> рубля с рейса</a:t>
+            </a:r>
+            <a:r>
+              <a:rPr lang="en-US" dirty="0"/>
+              <a:t> (</a:t>
+            </a:r>
+            <a:r>
+              <a:rPr lang="ru-RU" dirty="0"/>
+              <a:t>всего было 59 рейсов</a:t>
+            </a:r>
+            <a:r>
+              <a:rPr lang="en-US" dirty="0"/>
+              <a:t>)</a:t>
+            </a:r>
+            <a:endParaRPr lang="ru-RU" dirty="0"/>
+          </a:p>
+          <a:p>
+            <a:r>
+              <a:rPr lang="ru-RU" dirty="0"/>
+              <a:t>4. Совокупная прибыль</a:t>
+            </a:r>
+            <a:r>
+              <a:rPr lang="en-US" dirty="0"/>
+              <a:t> </a:t>
+            </a:r>
+            <a:r>
+              <a:rPr lang="ru-RU" dirty="0"/>
+              <a:t>полетов в Белгород составила 144</a:t>
+            </a:r>
+            <a:r>
+              <a:rPr lang="en-US" dirty="0"/>
+              <a:t>,</a:t>
+            </a:r>
+            <a:r>
+              <a:rPr lang="ru-RU" dirty="0"/>
+              <a:t>785</a:t>
+            </a:r>
+            <a:r>
+              <a:rPr lang="en-US" dirty="0"/>
+              <a:t>,</a:t>
+            </a:r>
+            <a:r>
+              <a:rPr lang="ru-RU" dirty="0"/>
+              <a:t>652.55 рублей или в среднем 2</a:t>
+            </a:r>
+            <a:r>
+              <a:rPr lang="en-US" dirty="0"/>
+              <a:t>,</a:t>
+            </a:r>
+            <a:r>
+              <a:rPr lang="ru-RU" dirty="0"/>
+              <a:t>453</a:t>
+            </a:r>
+            <a:r>
+              <a:rPr lang="en-US" dirty="0"/>
+              <a:t>,</a:t>
+            </a:r>
+            <a:r>
+              <a:rPr lang="ru-RU" dirty="0"/>
+              <a:t>994.11 рубля с рейса</a:t>
+            </a:r>
+            <a:r>
+              <a:rPr lang="en-US" dirty="0"/>
+              <a:t> (</a:t>
+            </a:r>
+            <a:r>
+              <a:rPr lang="ru-RU" dirty="0"/>
+              <a:t>всего было 59 рейсов</a:t>
+            </a:r>
+            <a:r>
+              <a:rPr lang="en-US" dirty="0"/>
+              <a:t>)</a:t>
+            </a:r>
+            <a:endParaRPr lang="ru-RU" dirty="0"/>
+          </a:p>
+        </p:txBody>
+      </p:sp>
+    </p:spTree>
+    <p:extLst>
+      <p:ext uri="{BB962C8B-B14F-4D97-AF65-F5344CB8AC3E}">
+        <p14:creationId xmlns:p14="http://schemas.microsoft.com/office/powerpoint/2010/main" val="3582678098"/>
+      </p:ext>
+    </p:extLst>
+  </p:cSld>
+  <p:clrMapOvr>
+    <a:masterClrMapping/>
+  </p:clrMapOvr>
+</p:sld>
+</file>
+
 <file path=ppt/theme/theme1.xml><?xml version="1.0" encoding="utf-8"?>
 <a:theme xmlns:a="http://schemas.openxmlformats.org/drawingml/2006/main" name="Integral">
   <a:themeElements>
